--- a/ClassMaterials/SchemeIntro/SchemeIntro2.pptx
+++ b/ClassMaterials/SchemeIntro/SchemeIntro2.pptx
@@ -5,10 +5,10 @@
     <p:sldMasterId id="2147483648" r:id="rId1"/>
   </p:sldMasterIdLst>
   <p:sldIdLst>
-    <p:sldId id="328" r:id="rId2"/>
-    <p:sldId id="256" r:id="rId3"/>
-    <p:sldId id="257" r:id="rId4"/>
-    <p:sldId id="329" r:id="rId5"/>
+    <p:sldId id="256" r:id="rId2"/>
+    <p:sldId id="257" r:id="rId3"/>
+    <p:sldId id="329" r:id="rId4"/>
+    <p:sldId id="328" r:id="rId5"/>
     <p:sldId id="258" r:id="rId6"/>
     <p:sldId id="259" r:id="rId7"/>
     <p:sldId id="260" r:id="rId8"/>
@@ -111,6 +111,11 @@
       </a:defRPr>
     </a:lvl9pPr>
   </p:defaultTextStyle>
+  <p:extLst>
+    <p:ext uri="{EFAFB233-063F-42B5-8137-9DF3F51BA10A}">
+      <p15:sldGuideLst xmlns:p15="http://schemas.microsoft.com/office/powerpoint/2012/main"/>
+    </p:ext>
+  </p:extLst>
 </p:presentation>
 </file>
 
@@ -261,7 +266,7 @@
           <a:p>
             <a:fld id="{59E5B550-754F-4D70-84C1-461A73FA4E95}" type="datetimeFigureOut">
               <a:rPr lang="en-US" smtClean="0"/>
-              <a:t>9/4/2024</a:t>
+              <a:t>9/5/2024</a:t>
             </a:fld>
             <a:endParaRPr lang="en-US"/>
           </a:p>
@@ -459,7 +464,7 @@
           <a:p>
             <a:fld id="{59E5B550-754F-4D70-84C1-461A73FA4E95}" type="datetimeFigureOut">
               <a:rPr lang="en-US" smtClean="0"/>
-              <a:t>9/4/2024</a:t>
+              <a:t>9/5/2024</a:t>
             </a:fld>
             <a:endParaRPr lang="en-US"/>
           </a:p>
@@ -667,7 +672,7 @@
           <a:p>
             <a:fld id="{59E5B550-754F-4D70-84C1-461A73FA4E95}" type="datetimeFigureOut">
               <a:rPr lang="en-US" smtClean="0"/>
-              <a:t>9/4/2024</a:t>
+              <a:t>9/5/2024</a:t>
             </a:fld>
             <a:endParaRPr lang="en-US"/>
           </a:p>
@@ -865,7 +870,7 @@
           <a:p>
             <a:fld id="{59E5B550-754F-4D70-84C1-461A73FA4E95}" type="datetimeFigureOut">
               <a:rPr lang="en-US" smtClean="0"/>
-              <a:t>9/4/2024</a:t>
+              <a:t>9/5/2024</a:t>
             </a:fld>
             <a:endParaRPr lang="en-US"/>
           </a:p>
@@ -1140,7 +1145,7 @@
           <a:p>
             <a:fld id="{59E5B550-754F-4D70-84C1-461A73FA4E95}" type="datetimeFigureOut">
               <a:rPr lang="en-US" smtClean="0"/>
-              <a:t>9/4/2024</a:t>
+              <a:t>9/5/2024</a:t>
             </a:fld>
             <a:endParaRPr lang="en-US"/>
           </a:p>
@@ -1405,7 +1410,7 @@
           <a:p>
             <a:fld id="{59E5B550-754F-4D70-84C1-461A73FA4E95}" type="datetimeFigureOut">
               <a:rPr lang="en-US" smtClean="0"/>
-              <a:t>9/4/2024</a:t>
+              <a:t>9/5/2024</a:t>
             </a:fld>
             <a:endParaRPr lang="en-US"/>
           </a:p>
@@ -1817,7 +1822,7 @@
           <a:p>
             <a:fld id="{59E5B550-754F-4D70-84C1-461A73FA4E95}" type="datetimeFigureOut">
               <a:rPr lang="en-US" smtClean="0"/>
-              <a:t>9/4/2024</a:t>
+              <a:t>9/5/2024</a:t>
             </a:fld>
             <a:endParaRPr lang="en-US"/>
           </a:p>
@@ -1958,7 +1963,7 @@
           <a:p>
             <a:fld id="{59E5B550-754F-4D70-84C1-461A73FA4E95}" type="datetimeFigureOut">
               <a:rPr lang="en-US" smtClean="0"/>
-              <a:t>9/4/2024</a:t>
+              <a:t>9/5/2024</a:t>
             </a:fld>
             <a:endParaRPr lang="en-US"/>
           </a:p>
@@ -2071,7 +2076,7 @@
           <a:p>
             <a:fld id="{59E5B550-754F-4D70-84C1-461A73FA4E95}" type="datetimeFigureOut">
               <a:rPr lang="en-US" smtClean="0"/>
-              <a:t>9/4/2024</a:t>
+              <a:t>9/5/2024</a:t>
             </a:fld>
             <a:endParaRPr lang="en-US"/>
           </a:p>
@@ -2382,7 +2387,7 @@
           <a:p>
             <a:fld id="{59E5B550-754F-4D70-84C1-461A73FA4E95}" type="datetimeFigureOut">
               <a:rPr lang="en-US" smtClean="0"/>
-              <a:t>9/4/2024</a:t>
+              <a:t>9/5/2024</a:t>
             </a:fld>
             <a:endParaRPr lang="en-US"/>
           </a:p>
@@ -2670,7 +2675,7 @@
           <a:p>
             <a:fld id="{59E5B550-754F-4D70-84C1-461A73FA4E95}" type="datetimeFigureOut">
               <a:rPr lang="en-US" smtClean="0"/>
-              <a:t>9/4/2024</a:t>
+              <a:t>9/5/2024</a:t>
             </a:fld>
             <a:endParaRPr lang="en-US"/>
           </a:p>
@@ -2911,7 +2916,7 @@
           <a:p>
             <a:fld id="{59E5B550-754F-4D70-84C1-461A73FA4E95}" type="datetimeFigureOut">
               <a:rPr lang="en-US" smtClean="0"/>
-              <a:t>9/4/2024</a:t>
+              <a:t>9/5/2024</a:t>
             </a:fld>
             <a:endParaRPr lang="en-US"/>
           </a:p>
@@ -3314,138 +3319,6 @@
 <file path=ppt/slides/slide1.xml><?xml version="1.0" encoding="utf-8"?>
 <p:sld xmlns:a="http://schemas.openxmlformats.org/drawingml/2006/main" xmlns:r="http://schemas.openxmlformats.org/officeDocument/2006/relationships" xmlns:p="http://schemas.openxmlformats.org/presentationml/2006/main">
   <p:cSld>
-    <p:spTree>
-      <p:nvGrpSpPr>
-        <p:cNvPr id="1" name=""/>
-        <p:cNvGrpSpPr/>
-        <p:nvPr/>
-      </p:nvGrpSpPr>
-      <p:grpSpPr>
-        <a:xfrm>
-          <a:off x="0" y="0"/>
-          <a:ext cx="0" cy="0"/>
-          <a:chOff x="0" y="0"/>
-          <a:chExt cx="0" cy="0"/>
-        </a:xfrm>
-      </p:grpSpPr>
-      <p:sp>
-        <p:nvSpPr>
-          <p:cNvPr id="2" name="Title 1">
-            <a:extLst>
-              <a:ext uri="{FF2B5EF4-FFF2-40B4-BE49-F238E27FC236}">
-                <a16:creationId xmlns:a16="http://schemas.microsoft.com/office/drawing/2014/main" id="{D8D9A8A5-AD40-4702-920B-4B4CA2889477}"/>
-              </a:ext>
-            </a:extLst>
-          </p:cNvPr>
-          <p:cNvSpPr>
-            <a:spLocks noGrp="1"/>
-          </p:cNvSpPr>
-          <p:nvPr>
-            <p:ph type="title"/>
-          </p:nvPr>
-        </p:nvSpPr>
-        <p:spPr>
-          <a:xfrm>
-            <a:off x="914400" y="76200"/>
-            <a:ext cx="10363200" cy="1066800"/>
-          </a:xfrm>
-        </p:spPr>
-        <p:txBody>
-          <a:bodyPr/>
-          <a:lstStyle/>
-          <a:p>
-            <a:r>
-              <a:rPr lang="en-US" dirty="0"/>
-              <a:t>Activity</a:t>
-            </a:r>
-          </a:p>
-        </p:txBody>
-      </p:sp>
-      <p:sp>
-        <p:nvSpPr>
-          <p:cNvPr id="3" name="Content Placeholder 2">
-            <a:extLst>
-              <a:ext uri="{FF2B5EF4-FFF2-40B4-BE49-F238E27FC236}">
-                <a16:creationId xmlns:a16="http://schemas.microsoft.com/office/drawing/2014/main" id="{D3EF5107-883D-4781-BC54-A65231DB9697}"/>
-              </a:ext>
-            </a:extLst>
-          </p:cNvPr>
-          <p:cNvSpPr>
-            <a:spLocks noGrp="1"/>
-          </p:cNvSpPr>
-          <p:nvPr>
-            <p:ph idx="1"/>
-          </p:nvPr>
-        </p:nvSpPr>
-        <p:spPr>
-          <a:xfrm>
-            <a:off x="938212" y="990600"/>
-            <a:ext cx="10363200" cy="1233488"/>
-          </a:xfrm>
-        </p:spPr>
-        <p:txBody>
-          <a:bodyPr/>
-          <a:lstStyle/>
-          <a:p>
-            <a:r>
-              <a:rPr lang="en-US" dirty="0"/>
-              <a:t>Talk with the other student(s) at your table.</a:t>
-            </a:r>
-          </a:p>
-          <a:p>
-            <a:r>
-              <a:rPr lang="en-US" dirty="0"/>
-              <a:t>What will Scheme print when we enter each of these?</a:t>
-            </a:r>
-          </a:p>
-        </p:txBody>
-      </p:sp>
-      <p:pic>
-        <p:nvPicPr>
-          <p:cNvPr id="5" name="Picture 4">
-            <a:extLst>
-              <a:ext uri="{FF2B5EF4-FFF2-40B4-BE49-F238E27FC236}">
-                <a16:creationId xmlns:a16="http://schemas.microsoft.com/office/drawing/2014/main" id="{7A81C755-04CB-4C04-B707-03527B8B45AD}"/>
-              </a:ext>
-            </a:extLst>
-          </p:cNvPr>
-          <p:cNvPicPr>
-            <a:picLocks noChangeAspect="1"/>
-          </p:cNvPicPr>
-          <p:nvPr/>
-        </p:nvPicPr>
-        <p:blipFill>
-          <a:blip r:embed="rId2"/>
-          <a:stretch>
-            <a:fillRect/>
-          </a:stretch>
-        </p:blipFill>
-        <p:spPr>
-          <a:xfrm>
-            <a:off x="3657600" y="2224088"/>
-            <a:ext cx="7848600" cy="4129492"/>
-          </a:xfrm>
-          <a:prstGeom prst="rect">
-            <a:avLst/>
-          </a:prstGeom>
-        </p:spPr>
-      </p:pic>
-    </p:spTree>
-    <p:extLst>
-      <p:ext uri="{BB962C8B-B14F-4D97-AF65-F5344CB8AC3E}">
-        <p14:creationId xmlns:p14="http://schemas.microsoft.com/office/powerpoint/2010/main" val="656382770"/>
-      </p:ext>
-    </p:extLst>
-  </p:cSld>
-  <p:clrMapOvr>
-    <a:masterClrMapping/>
-  </p:clrMapOvr>
-</p:sld>
-</file>
-
-<file path=ppt/slides/slide2.xml><?xml version="1.0" encoding="utf-8"?>
-<p:sld xmlns:a="http://schemas.openxmlformats.org/drawingml/2006/main" xmlns:r="http://schemas.openxmlformats.org/officeDocument/2006/relationships" xmlns:p="http://schemas.openxmlformats.org/presentationml/2006/main">
-  <p:cSld>
     <p:bg>
       <p:bgPr>
         <a:solidFill>
@@ -4207,6 +4080,113 @@
 </p:sld>
 </file>
 
+<file path=ppt/slides/slide2.xml><?xml version="1.0" encoding="utf-8"?>
+<p:sld xmlns:a="http://schemas.openxmlformats.org/drawingml/2006/main" xmlns:r="http://schemas.openxmlformats.org/officeDocument/2006/relationships" xmlns:p="http://schemas.openxmlformats.org/presentationml/2006/main">
+  <p:cSld>
+    <p:spTree>
+      <p:nvGrpSpPr>
+        <p:cNvPr id="1" name=""/>
+        <p:cNvGrpSpPr/>
+        <p:nvPr/>
+      </p:nvGrpSpPr>
+      <p:grpSpPr>
+        <a:xfrm>
+          <a:off x="0" y="0"/>
+          <a:ext cx="0" cy="0"/>
+          <a:chOff x="0" y="0"/>
+          <a:chExt cx="0" cy="0"/>
+        </a:xfrm>
+      </p:grpSpPr>
+      <p:sp>
+        <p:nvSpPr>
+          <p:cNvPr id="2" name="Title 1">
+            <a:extLst>
+              <a:ext uri="{FF2B5EF4-FFF2-40B4-BE49-F238E27FC236}">
+                <a16:creationId xmlns:a16="http://schemas.microsoft.com/office/drawing/2014/main" id="{697492E1-F9E7-B6A3-973A-3C0D6F773203}"/>
+              </a:ext>
+            </a:extLst>
+          </p:cNvPr>
+          <p:cNvSpPr>
+            <a:spLocks noGrp="1"/>
+          </p:cNvSpPr>
+          <p:nvPr>
+            <p:ph type="title"/>
+          </p:nvPr>
+        </p:nvSpPr>
+        <p:spPr/>
+        <p:txBody>
+          <a:bodyPr/>
+          <a:lstStyle/>
+          <a:p>
+            <a:r>
+              <a:rPr lang="en-US" dirty="0"/>
+              <a:t>Logistics</a:t>
+            </a:r>
+          </a:p>
+        </p:txBody>
+      </p:sp>
+      <p:sp>
+        <p:nvSpPr>
+          <p:cNvPr id="3" name="Content Placeholder 2">
+            <a:extLst>
+              <a:ext uri="{FF2B5EF4-FFF2-40B4-BE49-F238E27FC236}">
+                <a16:creationId xmlns:a16="http://schemas.microsoft.com/office/drawing/2014/main" id="{77EF9BED-6468-517F-E9AA-15433B49D30B}"/>
+              </a:ext>
+            </a:extLst>
+          </p:cNvPr>
+          <p:cNvSpPr>
+            <a:spLocks noGrp="1"/>
+          </p:cNvSpPr>
+          <p:nvPr>
+            <p:ph idx="1"/>
+          </p:nvPr>
+        </p:nvSpPr>
+        <p:spPr/>
+        <p:txBody>
+          <a:bodyPr/>
+          <a:lstStyle/>
+          <a:p>
+            <a:r>
+              <a:rPr lang="en-US" dirty="0"/>
+              <a:t>Clone the course repo</a:t>
+            </a:r>
+          </a:p>
+          <a:p>
+            <a:r>
+              <a:rPr lang="en-US" dirty="0"/>
+              <a:t>Follow the schedule page to see when assignments are due</a:t>
+            </a:r>
+          </a:p>
+          <a:p>
+            <a:r>
+              <a:rPr lang="en-US" dirty="0"/>
+              <a:t>Submit assignments via gradebook</a:t>
+            </a:r>
+          </a:p>
+          <a:p>
+            <a:r>
+              <a:rPr lang="en-US" dirty="0"/>
+              <a:t>Read the “mini-syllabus” I’ve handed out</a:t>
+            </a:r>
+          </a:p>
+          <a:p>
+            <a:endParaRPr lang="en-US" dirty="0"/>
+          </a:p>
+        </p:txBody>
+      </p:sp>
+    </p:spTree>
+    <p:extLst>
+      <p:ext uri="{BB962C8B-B14F-4D97-AF65-F5344CB8AC3E}">
+        <p14:creationId xmlns:p14="http://schemas.microsoft.com/office/powerpoint/2010/main" val="1177359109"/>
+      </p:ext>
+    </p:extLst>
+  </p:cSld>
+  <p:clrMapOvr>
+    <a:masterClrMapping/>
+  </p:clrMapOvr>
+</p:sld>
+</file>
+
 <file path=ppt/slides/slide3.xml><?xml version="1.0" encoding="utf-8"?>
 <p:sld xmlns:a="http://schemas.openxmlformats.org/drawingml/2006/main" xmlns:r="http://schemas.openxmlformats.org/officeDocument/2006/relationships" xmlns:p="http://schemas.openxmlformats.org/presentationml/2006/main">
   <p:cSld>
@@ -4229,7 +4209,7 @@
           <p:cNvPr id="2" name="Title 1">
             <a:extLst>
               <a:ext uri="{FF2B5EF4-FFF2-40B4-BE49-F238E27FC236}">
-                <a16:creationId xmlns:a16="http://schemas.microsoft.com/office/drawing/2014/main" id="{697492E1-F9E7-B6A3-973A-3C0D6F773203}"/>
+                <a16:creationId xmlns:a16="http://schemas.microsoft.com/office/drawing/2014/main" id="{35FD36D6-7DE9-A366-7423-BD20141BFF00}"/>
               </a:ext>
             </a:extLst>
           </p:cNvPr>
@@ -4247,7 +4227,15 @@
           <a:p>
             <a:r>
               <a:rPr lang="en-US" dirty="0"/>
-              <a:t>Logistics</a:t>
+              <a:t>What makes scheme </a:t>
+            </a:r>
+            <a:r>
+              <a:rPr lang="en-US" i="1" dirty="0" err="1"/>
+              <a:t>scheme</a:t>
+            </a:r>
+            <a:r>
+              <a:rPr lang="en-US" dirty="0"/>
+              <a:t>?</a:t>
             </a:r>
           </a:p>
         </p:txBody>
@@ -4257,7 +4245,7 @@
           <p:cNvPr id="3" name="Content Placeholder 2">
             <a:extLst>
               <a:ext uri="{FF2B5EF4-FFF2-40B4-BE49-F238E27FC236}">
-                <a16:creationId xmlns:a16="http://schemas.microsoft.com/office/drawing/2014/main" id="{77EF9BED-6468-517F-E9AA-15433B49D30B}"/>
+                <a16:creationId xmlns:a16="http://schemas.microsoft.com/office/drawing/2014/main" id="{B1EBF1EC-CDDF-D19A-AAF7-592C17F4696C}"/>
               </a:ext>
             </a:extLst>
           </p:cNvPr>
@@ -4275,36 +4263,49 @@
           <a:p>
             <a:r>
               <a:rPr lang="en-US" dirty="0"/>
-              <a:t>Clone the course repo</a:t>
+              <a:t>In my option, not so much a language as building blocks for creating your own languages</a:t>
             </a:r>
           </a:p>
           <a:p>
             <a:r>
               <a:rPr lang="en-US" dirty="0"/>
-              <a:t>Follow the schedule page to see when assignments are due</a:t>
+              <a:t>Prizes simplicity of syntax to allow for flexibility – this is why it looks like parenthesis soup</a:t>
             </a:r>
           </a:p>
           <a:p>
             <a:r>
               <a:rPr lang="en-US" dirty="0"/>
-              <a:t>Submit assignments via gradebook</a:t>
-            </a:r>
-          </a:p>
-          <a:p>
+              <a:t>Prioritizes the </a:t>
+            </a:r>
+            <a:r>
+              <a:rPr lang="en-US" i="1" dirty="0"/>
+              <a:t>procedure</a:t>
+            </a:r>
             <a:r>
               <a:rPr lang="en-US" dirty="0"/>
-              <a:t>Read the “mini-syllabus” I’ve handed out</a:t>
-            </a:r>
-          </a:p>
-          <a:p>
-            <a:endParaRPr lang="en-US" dirty="0"/>
+              <a:t> as it’s primary source of abstraction (this makes it a </a:t>
+            </a:r>
+            <a:r>
+              <a:rPr lang="en-US" i="1" dirty="0"/>
+              <a:t>functional</a:t>
+            </a:r>
+            <a:r>
+              <a:rPr lang="en-US" dirty="0"/>
+              <a:t> language)</a:t>
+            </a:r>
+          </a:p>
+          <a:p>
+            <a:r>
+              <a:rPr lang="en-US" dirty="0"/>
+              <a:t>Which begs the question…</a:t>
+            </a:r>
           </a:p>
         </p:txBody>
       </p:sp>
     </p:spTree>
     <p:extLst>
       <p:ext uri="{BB962C8B-B14F-4D97-AF65-F5344CB8AC3E}">
-        <p14:creationId xmlns:p14="http://schemas.microsoft.com/office/powerpoint/2010/main" val="1177359109"/>
+        <p14:creationId xmlns:p14="http://schemas.microsoft.com/office/powerpoint/2010/main" val="3272679699"/>
       </p:ext>
     </p:extLst>
   </p:cSld>
@@ -4336,7 +4337,7 @@
           <p:cNvPr id="2" name="Title 1">
             <a:extLst>
               <a:ext uri="{FF2B5EF4-FFF2-40B4-BE49-F238E27FC236}">
-                <a16:creationId xmlns:a16="http://schemas.microsoft.com/office/drawing/2014/main" id="{35FD36D6-7DE9-A366-7423-BD20141BFF00}"/>
+                <a16:creationId xmlns:a16="http://schemas.microsoft.com/office/drawing/2014/main" id="{D8D9A8A5-AD40-4702-920B-4B4CA2889477}"/>
               </a:ext>
             </a:extLst>
           </p:cNvPr>
@@ -4347,92 +4348,96 @@
             <p:ph type="title"/>
           </p:nvPr>
         </p:nvSpPr>
-        <p:spPr/>
+        <p:spPr>
+          <a:xfrm>
+            <a:off x="914400" y="76200"/>
+            <a:ext cx="10363200" cy="1066800"/>
+          </a:xfrm>
+        </p:spPr>
         <p:txBody>
           <a:bodyPr/>
           <a:lstStyle/>
           <a:p>
             <a:r>
               <a:rPr lang="en-US" dirty="0"/>
-              <a:t>What makes scheme </a:t>
-            </a:r>
-            <a:r>
-              <a:rPr lang="en-US" i="1" dirty="0" err="1"/>
-              <a:t>scheme</a:t>
-            </a:r>
+              <a:t>Activity</a:t>
+            </a:r>
+          </a:p>
+        </p:txBody>
+      </p:sp>
+      <p:sp>
+        <p:nvSpPr>
+          <p:cNvPr id="3" name="Content Placeholder 2">
+            <a:extLst>
+              <a:ext uri="{FF2B5EF4-FFF2-40B4-BE49-F238E27FC236}">
+                <a16:creationId xmlns:a16="http://schemas.microsoft.com/office/drawing/2014/main" id="{D3EF5107-883D-4781-BC54-A65231DB9697}"/>
+              </a:ext>
+            </a:extLst>
+          </p:cNvPr>
+          <p:cNvSpPr>
+            <a:spLocks noGrp="1"/>
+          </p:cNvSpPr>
+          <p:nvPr>
+            <p:ph idx="1"/>
+          </p:nvPr>
+        </p:nvSpPr>
+        <p:spPr>
+          <a:xfrm>
+            <a:off x="938212" y="990600"/>
+            <a:ext cx="10363200" cy="1233488"/>
+          </a:xfrm>
+        </p:spPr>
+        <p:txBody>
+          <a:bodyPr/>
+          <a:lstStyle/>
+          <a:p>
             <a:r>
               <a:rPr lang="en-US" dirty="0"/>
-              <a:t>?</a:t>
-            </a:r>
-          </a:p>
-        </p:txBody>
-      </p:sp>
-      <p:sp>
-        <p:nvSpPr>
-          <p:cNvPr id="3" name="Content Placeholder 2">
-            <a:extLst>
-              <a:ext uri="{FF2B5EF4-FFF2-40B4-BE49-F238E27FC236}">
-                <a16:creationId xmlns:a16="http://schemas.microsoft.com/office/drawing/2014/main" id="{B1EBF1EC-CDDF-D19A-AAF7-592C17F4696C}"/>
-              </a:ext>
-            </a:extLst>
-          </p:cNvPr>
-          <p:cNvSpPr>
-            <a:spLocks noGrp="1"/>
-          </p:cNvSpPr>
-          <p:nvPr>
-            <p:ph idx="1"/>
-          </p:nvPr>
-        </p:nvSpPr>
-        <p:spPr/>
-        <p:txBody>
-          <a:bodyPr/>
-          <a:lstStyle/>
+              <a:t>Talk with the other student(s) at your table.</a:t>
+            </a:r>
+          </a:p>
           <a:p>
             <a:r>
               <a:rPr lang="en-US" dirty="0"/>
-              <a:t>In my option, not so much a language as building blocks for creating your own languages</a:t>
-            </a:r>
-          </a:p>
-          <a:p>
-            <a:r>
-              <a:rPr lang="en-US" dirty="0"/>
-              <a:t>Prizes simplicity of syntax to allow for flexibility – this is why it looks like parenthesis soup</a:t>
-            </a:r>
-          </a:p>
-          <a:p>
-            <a:r>
-              <a:rPr lang="en-US" dirty="0"/>
-              <a:t>Prioritizes the </a:t>
-            </a:r>
-            <a:r>
-              <a:rPr lang="en-US" i="1" dirty="0"/>
-              <a:t>procedure</a:t>
-            </a:r>
-            <a:r>
-              <a:rPr lang="en-US" dirty="0"/>
-              <a:t> as it’s primary source of abstraction (this makes it a </a:t>
-            </a:r>
-            <a:r>
-              <a:rPr lang="en-US" i="1" dirty="0"/>
-              <a:t>functional</a:t>
-            </a:r>
-            <a:r>
-              <a:rPr lang="en-US" dirty="0"/>
-              <a:t> language)</a:t>
-            </a:r>
-          </a:p>
-          <a:p>
-            <a:r>
-              <a:rPr lang="en-US" dirty="0"/>
-              <a:t>Which begs the question…</a:t>
-            </a:r>
-          </a:p>
-        </p:txBody>
-      </p:sp>
+              <a:t>What will Scheme print when we enter each of these?</a:t>
+            </a:r>
+          </a:p>
+        </p:txBody>
+      </p:sp>
+      <p:pic>
+        <p:nvPicPr>
+          <p:cNvPr id="5" name="Picture 4">
+            <a:extLst>
+              <a:ext uri="{FF2B5EF4-FFF2-40B4-BE49-F238E27FC236}">
+                <a16:creationId xmlns:a16="http://schemas.microsoft.com/office/drawing/2014/main" id="{7A81C755-04CB-4C04-B707-03527B8B45AD}"/>
+              </a:ext>
+            </a:extLst>
+          </p:cNvPr>
+          <p:cNvPicPr>
+            <a:picLocks noChangeAspect="1"/>
+          </p:cNvPicPr>
+          <p:nvPr/>
+        </p:nvPicPr>
+        <p:blipFill>
+          <a:blip r:embed="rId2"/>
+          <a:stretch>
+            <a:fillRect/>
+          </a:stretch>
+        </p:blipFill>
+        <p:spPr>
+          <a:xfrm>
+            <a:off x="2668043" y="2057400"/>
+            <a:ext cx="7848600" cy="4129492"/>
+          </a:xfrm>
+          <a:prstGeom prst="rect">
+            <a:avLst/>
+          </a:prstGeom>
+        </p:spPr>
+      </p:pic>
     </p:spTree>
     <p:extLst>
       <p:ext uri="{BB962C8B-B14F-4D97-AF65-F5344CB8AC3E}">
-        <p14:creationId xmlns:p14="http://schemas.microsoft.com/office/powerpoint/2010/main" val="3272679699"/>
+        <p14:creationId xmlns:p14="http://schemas.microsoft.com/office/powerpoint/2010/main" val="656382770"/>
       </p:ext>
     </p:extLst>
   </p:cSld>
